--- a/Python/pptx Modify/prezi.pptx
+++ b/Python/pptx Modify/prezi.pptx
@@ -711,16 +711,16 @@
                 <c:formatCode>General</c:formatCode>
                 <c:ptCount val="4"/>
                 <c:pt idx="0">
-                  <c:v>2.4</c:v>
+                  <c:v>4.3</c:v>
                 </c:pt>
                 <c:pt idx="1">
-                  <c:v>4.4</c:v>
+                  <c:v>2.1</c:v>
                 </c:pt>
                 <c:pt idx="2">
-                  <c:v>1.8</c:v>
+                  <c:v>3.2</c:v>
                 </c:pt>
                 <c:pt idx="3">
-                  <c:v>2.8</c:v>
+                  <c:v>3.8</c:v>
                 </c:pt>
               </c:numCache>
             </c:numRef>
@@ -786,16 +786,16 @@
                 <c:formatCode>General</c:formatCode>
                 <c:ptCount val="4"/>
                 <c:pt idx="0">
-                  <c:v>2</c:v>
+                  <c:v>3.9</c:v>
                 </c:pt>
                 <c:pt idx="1">
-                  <c:v>2</c:v>
+                  <c:v>1.5</c:v>
                 </c:pt>
                 <c:pt idx="2">
-                  <c:v>3</c:v>
+                  <c:v>2.8</c:v>
                 </c:pt>
                 <c:pt idx="3">
-                  <c:v>5</c:v>
+                  <c:v>2.9</c:v>
                 </c:pt>
               </c:numCache>
             </c:numRef>
@@ -861,16 +861,16 @@
                 <c:formatCode>General</c:formatCode>
                 <c:ptCount val="4"/>
                 <c:pt idx="0">
-                  <c:v>1.6</c:v>
+                  <c:v>3.3</c:v>
                 </c:pt>
                 <c:pt idx="1">
-                  <c:v>-0.399999999999999</c:v>
+                  <c:v>0.6</c:v>
                 </c:pt>
                 <c:pt idx="2">
-                  <c:v>4.2</c:v>
+                  <c:v>2.0</c:v>
                 </c:pt>
                 <c:pt idx="3">
-                  <c:v>7.2</c:v>
+                  <c:v>2.6</c:v>
                 </c:pt>
               </c:numCache>
             </c:numRef>
